--- a/哈工大ppt模板.pptx
+++ b/哈工大ppt模板.pptx
@@ -120,6 +120,9 @@
     <p:ext uri="{EFAFB233-063F-42B5-8137-9DF3F51BA10A}">
       <p15:sldGuideLst xmlns:p15="http://schemas.microsoft.com/office/powerpoint/2012/main"/>
     </p:ext>
+    <p:ext uri="{2D200454-40CA-4A62-9FC3-DE9A4176ACB9}">
+      <p15:notesGuideLst xmlns:p15="http://schemas.microsoft.com/office/powerpoint/2012/main"/>
+    </p:ext>
   </p:extLst>
 </p:presentation>
 </file>
@@ -218,7 +221,7 @@
           <a:p>
             <a:fld id="{63C734E4-F607-4B81-939F-31C558CEDDFD}" type="datetimeFigureOut">
               <a:rPr lang="zh-CN" altLang="en-US" smtClean="0"/>
-              <a:t>2023/10/9</a:t>
+              <a:t>2024/12/12</a:t>
             </a:fld>
             <a:endParaRPr lang="zh-CN" altLang="en-US"/>
           </a:p>
@@ -395,7 +398,7 @@
           <a:p>
             <a:fld id="{E302FB89-F71E-40A4-B39E-BD7950A02927}" type="datetimeFigureOut">
               <a:rPr lang="zh-CN" altLang="en-US" smtClean="0"/>
-              <a:t>2023/10/9</a:t>
+              <a:t>2024/12/12</a:t>
             </a:fld>
             <a:endParaRPr lang="zh-CN" altLang="en-US"/>
           </a:p>
@@ -1217,7 +1220,7 @@
             <a:fld id="{26455F3C-17F7-48A8-A836-7A29AC99E464}" type="datetime1">
               <a:rPr kumimoji="1" lang="zh-CN" altLang="en-US" smtClean="0"/>
               <a:pPr/>
-              <a:t>2023/10/9</a:t>
+              <a:t>2024/12/12</a:t>
             </a:fld>
             <a:endParaRPr kumimoji="1" lang="zh-CN" altLang="en-US" dirty="0"/>
           </a:p>
@@ -1403,7 +1406,7 @@
             <a:fld id="{5E8A3E36-DC9A-411C-BB15-170B86533758}" type="datetime1">
               <a:rPr kumimoji="1" lang="zh-CN" altLang="en-US" smtClean="0"/>
               <a:pPr/>
-              <a:t>2023/10/9</a:t>
+              <a:t>2024/12/12</a:t>
             </a:fld>
             <a:endParaRPr kumimoji="1" lang="zh-CN" altLang="en-US" dirty="0"/>
           </a:p>
@@ -1684,7 +1687,7 @@
             <a:fld id="{54A66834-2E9C-4484-AF20-EB2FB1F3FBF9}" type="datetime1">
               <a:rPr kumimoji="1" lang="zh-CN" altLang="en-US" smtClean="0"/>
               <a:pPr/>
-              <a:t>2023/10/9</a:t>
+              <a:t>2024/12/12</a:t>
             </a:fld>
             <a:endParaRPr kumimoji="1" lang="zh-CN" altLang="en-US" dirty="0"/>
           </a:p>
@@ -1828,7 +1831,7 @@
             <a:fld id="{65F6AECC-48B7-4798-B229-11C3053B2762}" type="datetime1">
               <a:rPr kumimoji="1" lang="zh-CN" altLang="en-US" smtClean="0"/>
               <a:pPr/>
-              <a:t>2023/10/9</a:t>
+              <a:t>2024/12/12</a:t>
             </a:fld>
             <a:endParaRPr kumimoji="1" lang="zh-CN" altLang="en-US" dirty="0"/>
           </a:p>
@@ -2218,7 +2221,7 @@
             <a:fld id="{833ACC35-2897-48A2-B816-3D673ED1A050}" type="datetime1">
               <a:rPr kumimoji="1" lang="zh-CN" altLang="en-US" smtClean="0"/>
               <a:pPr/>
-              <a:t>2023/10/9</a:t>
+              <a:t>2024/12/12</a:t>
             </a:fld>
             <a:endParaRPr kumimoji="1" lang="zh-CN" altLang="en-US" dirty="0"/>
           </a:p>
@@ -2522,7 +2525,7 @@
             <a:fld id="{833ACC35-2897-48A2-B816-3D673ED1A050}" type="datetime1">
               <a:rPr kumimoji="1" lang="zh-CN" altLang="en-US" smtClean="0"/>
               <a:pPr/>
-              <a:t>2023/10/9</a:t>
+              <a:t>2024/12/12</a:t>
             </a:fld>
             <a:endParaRPr kumimoji="1" lang="zh-CN" altLang="en-US" dirty="0"/>
           </a:p>
@@ -2760,7 +2763,7 @@
             <a:fld id="{3FCC7433-93B8-4EA6-820A-A7D3A699AD7D}" type="datetime1">
               <a:rPr kumimoji="1" lang="zh-CN" altLang="en-US" smtClean="0"/>
               <a:pPr/>
-              <a:t>2023/10/9</a:t>
+              <a:t>2024/12/12</a:t>
             </a:fld>
             <a:endParaRPr kumimoji="1" lang="zh-CN" altLang="en-US" dirty="0"/>
           </a:p>
@@ -3177,7 +3180,7 @@
             <a:fld id="{4263E9E7-01E3-40F7-BF08-01A3E30CC9AE}" type="datetime1">
               <a:rPr kumimoji="1" lang="zh-CN" altLang="en-US" smtClean="0"/>
               <a:pPr/>
-              <a:t>2023/10/9</a:t>
+              <a:t>2024/12/12</a:t>
             </a:fld>
             <a:endParaRPr kumimoji="1" lang="zh-CN" altLang="en-US" dirty="0"/>
           </a:p>
@@ -3272,7 +3275,7 @@
             <a:fld id="{8422F1CC-D434-4402-B64E-18D3CDA6A40B}" type="datetime1">
               <a:rPr kumimoji="1" lang="zh-CN" altLang="en-US" smtClean="0"/>
               <a:pPr/>
-              <a:t>2023/10/9</a:t>
+              <a:t>2024/12/12</a:t>
             </a:fld>
             <a:endParaRPr kumimoji="1" lang="zh-CN" altLang="en-US" dirty="0"/>
           </a:p>
@@ -3362,7 +3365,7 @@
             <a:fld id="{0BE404E9-94BE-4DDE-88FC-C885A826DCA1}" type="datetime1">
               <a:rPr kumimoji="1" lang="zh-CN" altLang="en-US" smtClean="0"/>
               <a:pPr/>
-              <a:t>2023/10/9</a:t>
+              <a:t>2024/12/12</a:t>
             </a:fld>
             <a:endParaRPr kumimoji="1" lang="zh-CN" altLang="en-US" dirty="0"/>
           </a:p>
@@ -3754,7 +3757,7 @@
             <a:fld id="{E1172602-C551-4FAF-9908-BB418EC3018E}" type="datetime1">
               <a:rPr kumimoji="1" lang="zh-CN" altLang="en-US" smtClean="0"/>
               <a:pPr/>
-              <a:t>2023/10/9</a:t>
+              <a:t>2024/12/12</a:t>
             </a:fld>
             <a:endParaRPr kumimoji="1" lang="zh-CN" altLang="en-US" dirty="0"/>
           </a:p>
@@ -3982,7 +3985,7 @@
             <a:fld id="{DF28CFF5-CC13-4782-B830-4698C3EF20AE}" type="datetime1">
               <a:rPr kumimoji="1" lang="zh-CN" altLang="en-US" smtClean="0"/>
               <a:pPr/>
-              <a:t>2023/10/9</a:t>
+              <a:t>2024/12/12</a:t>
             </a:fld>
             <a:endParaRPr kumimoji="1" lang="zh-CN" altLang="en-US" dirty="0"/>
           </a:p>
@@ -4592,12 +4595,12 @@
           <a:lstStyle/>
           <a:p>
             <a:r>
-              <a:rPr lang="zh-CN" altLang="en-US" dirty="0">
-                <a:solidFill>
-                  <a:srgbClr val="144189"/>
-                </a:solidFill>
-              </a:rPr>
-              <a:t>胡映骄</a:t>
+              <a:rPr lang="en-US" altLang="zh-CN" dirty="0"/>
+              <a:t>Name</a:t>
+            </a:r>
+            <a:r>
+              <a:rPr lang="zh-CN" altLang="en-US" dirty="0"/>
+              <a:t> </a:t>
             </a:r>
             <a:endParaRPr lang="en-US" altLang="zh-CN" dirty="0">
               <a:solidFill>
@@ -4607,14 +4610,13 @@
           </a:p>
           <a:p>
             <a:r>
-              <a:rPr lang="zh-CN" altLang="en-US" dirty="0"/>
-              <a:t>电子与信息工程学院</a:t>
-            </a:r>
-            <a:endParaRPr lang="en-US" altLang="zh-CN" dirty="0">
-              <a:solidFill>
-                <a:srgbClr val="144189"/>
-              </a:solidFill>
-            </a:endParaRPr>
+              <a:rPr lang="en-US" altLang="zh-CN" dirty="0">
+                <a:solidFill>
+                  <a:srgbClr val="144189"/>
+                </a:solidFill>
+              </a:rPr>
+              <a:t>School</a:t>
+            </a:r>
           </a:p>
           <a:p>
             <a:fld id="{9BA8E4F3-E6B1-42BC-AFE0-5346C4B990A7}" type="datetime2">
@@ -4623,7 +4625,7 @@
                   <a:srgbClr val="144189"/>
                 </a:solidFill>
               </a:rPr>
-              <a:t>2023年10月9日</a:t>
+              <a:t>2024年12月12日</a:t>
             </a:fld>
             <a:endParaRPr lang="zh-CN" altLang="en-US" dirty="0">
               <a:solidFill>
@@ -5290,7 +5292,7 @@
           <a:p>
             <a:fld id="{C25B3F67-6681-41A3-B920-5AF7AF9CC4AA}" type="datetime2">
               <a:rPr kumimoji="1" lang="zh-CN" altLang="en-US" smtClean="0"/>
-              <a:t>2023年10月9日</a:t>
+              <a:t>2024年12月12日</a:t>
             </a:fld>
             <a:endParaRPr kumimoji="1" lang="zh-CN" altLang="en-US" dirty="0"/>
           </a:p>
@@ -5412,7 +5414,7 @@
           <a:p>
             <a:fld id="{056D3B6B-DEF8-4CDE-85ED-B40C7D693FDA}" type="datetime2">
               <a:rPr kumimoji="1" lang="zh-CN" altLang="en-US" smtClean="0"/>
-              <a:t>2023年10月9日</a:t>
+              <a:t>2024年12月12日</a:t>
             </a:fld>
             <a:endParaRPr kumimoji="1" lang="zh-CN" altLang="en-US" dirty="0"/>
           </a:p>
@@ -5498,12 +5500,8 @@
           <a:lstStyle/>
           <a:p>
             <a:r>
-              <a:rPr kumimoji="1" lang="zh-CN" altLang="en-US" dirty="0">
-                <a:solidFill>
-                  <a:srgbClr val="144189"/>
-                </a:solidFill>
-              </a:rPr>
-              <a:t>胡映骄</a:t>
+              <a:rPr kumimoji="1" lang="en-US" altLang="zh-CN" dirty="0"/>
+              <a:t>name</a:t>
             </a:r>
             <a:endParaRPr kumimoji="1" lang="en-US" altLang="zh-CN" dirty="0">
               <a:solidFill>
